--- a/Sprint 2 Updated Planning/Updated Story Templates.pptx
+++ b/Sprint 2 Updated Planning/Updated Story Templates.pptx
@@ -3645,8 +3645,8 @@
         </p:nvSpPr>
         <p:spPr>
           <a:xfrm>
-            <a:off x="1143225" y="685800"/>
-            <a:ext cx="4572300" cy="3429000"/>
+            <a:off x="952500" y="685800"/>
+            <a:ext cx="4953000" cy="3429000"/>
           </a:xfrm>
           <a:custGeom>
             <a:avLst/>
@@ -3749,8 +3749,8 @@
         </p:nvSpPr>
         <p:spPr>
           <a:xfrm>
-            <a:off x="1143225" y="685800"/>
-            <a:ext cx="4572300" cy="3429000"/>
+            <a:off x="952500" y="685800"/>
+            <a:ext cx="4953000" cy="3429000"/>
           </a:xfrm>
           <a:custGeom>
             <a:avLst/>
@@ -3853,8 +3853,8 @@
         </p:nvSpPr>
         <p:spPr>
           <a:xfrm>
-            <a:off x="1143225" y="685800"/>
-            <a:ext cx="4572300" cy="3429000"/>
+            <a:off x="952500" y="685800"/>
+            <a:ext cx="4953000" cy="3429000"/>
           </a:xfrm>
           <a:custGeom>
             <a:avLst/>
@@ -33423,31 +33423,7 @@
                 <a:cs typeface="Calibri"/>
                 <a:sym typeface="Calibri"/>
               </a:rPr>
-              <a:t>Dates, Car, Pickup location, Drop off location</a:t>
-            </a:r>
-            <a:r>
-              <a:rPr lang="en-AU" sz="2000">
-                <a:solidFill>
-                  <a:schemeClr val="dk1"/>
-                </a:solidFill>
-                <a:latin typeface="Calibri"/>
-                <a:ea typeface="Calibri"/>
-                <a:cs typeface="Calibri"/>
-                <a:sym typeface="Calibri"/>
-              </a:rPr>
-              <a:t>, Checked </a:t>
-            </a:r>
-            <a:r>
-              <a:rPr lang="en-AU" sz="2000" dirty="0">
-                <a:solidFill>
-                  <a:schemeClr val="dk1"/>
-                </a:solidFill>
-                <a:latin typeface="Calibri"/>
-                <a:ea typeface="Calibri"/>
-                <a:cs typeface="Calibri"/>
-                <a:sym typeface="Calibri"/>
-              </a:rPr>
-              <a:t>(Yes/No)</a:t>
+              <a:t>Dates, Car, Pickup location, Drop off location, Checked (Yes/No)</a:t>
             </a:r>
             <a:endParaRPr sz="2000" dirty="0">
               <a:solidFill>
@@ -36053,7 +36029,7 @@
               <a:buNone/>
             </a:pPr>
             <a:r>
-              <a:rPr lang="en-AU" sz="2800">
+              <a:rPr lang="en-AU" sz="2800" dirty="0">
                 <a:solidFill>
                   <a:schemeClr val="lt1"/>
                 </a:solidFill>
@@ -36062,9 +36038,9 @@
                 <a:cs typeface="Calibri"/>
                 <a:sym typeface="Calibri"/>
               </a:rPr>
-              <a:t>					Staff Password Reset</a:t>
-            </a:r>
-            <a:endParaRPr/>
+              <a:t>Staff Password Reset</a:t>
+            </a:r>
+            <a:endParaRPr dirty="0"/>
           </a:p>
         </p:txBody>
       </p:sp>
@@ -36683,7 +36659,7 @@
               <a:buNone/>
             </a:pPr>
             <a:r>
-              <a:rPr lang="en-AU" sz="2800">
+              <a:rPr lang="en-AU" sz="2800" dirty="0">
                 <a:solidFill>
                   <a:schemeClr val="lt1"/>
                 </a:solidFill>
@@ -36692,9 +36668,9 @@
                 <a:cs typeface="Calibri"/>
                 <a:sym typeface="Calibri"/>
               </a:rPr>
-              <a:t>					Staff Password Update</a:t>
-            </a:r>
-            <a:endParaRPr/>
+              <a:t>		Staff Password Update</a:t>
+            </a:r>
+            <a:endParaRPr dirty="0"/>
           </a:p>
         </p:txBody>
       </p:sp>
@@ -37346,7 +37322,7 @@
               <a:buNone/>
             </a:pPr>
             <a:r>
-              <a:rPr lang="en-AU" sz="2800">
+              <a:rPr lang="en-AU" sz="2800" dirty="0">
                 <a:solidFill>
                   <a:schemeClr val="lt1"/>
                 </a:solidFill>
@@ -37355,9 +37331,9 @@
                 <a:cs typeface="Calibri"/>
                 <a:sym typeface="Calibri"/>
               </a:rPr>
-              <a:t>					Staff Password Security</a:t>
-            </a:r>
-            <a:endParaRPr/>
+              <a:t>		Staff Password Security</a:t>
+            </a:r>
+            <a:endParaRPr dirty="0"/>
           </a:p>
         </p:txBody>
       </p:sp>
